--- a/figures/structure.pptx
+++ b/figures/structure.pptx
@@ -243,7 +243,7 @@
           <a:p>
             <a:fld id="{3B0594E7-D6BA-466E-A9C5-E11C6316BEFC}" type="datetimeFigureOut">
               <a:rPr lang="zh-CN" altLang="en-US" smtClean="0"/>
-              <a:t>2016/8/9</a:t>
+              <a:t>2016/8/12</a:t>
             </a:fld>
             <a:endParaRPr lang="zh-CN" altLang="en-US"/>
           </a:p>
@@ -413,7 +413,7 @@
           <a:p>
             <a:fld id="{3B0594E7-D6BA-466E-A9C5-E11C6316BEFC}" type="datetimeFigureOut">
               <a:rPr lang="zh-CN" altLang="en-US" smtClean="0"/>
-              <a:t>2016/8/9</a:t>
+              <a:t>2016/8/12</a:t>
             </a:fld>
             <a:endParaRPr lang="zh-CN" altLang="en-US"/>
           </a:p>
@@ -593,7 +593,7 @@
           <a:p>
             <a:fld id="{3B0594E7-D6BA-466E-A9C5-E11C6316BEFC}" type="datetimeFigureOut">
               <a:rPr lang="zh-CN" altLang="en-US" smtClean="0"/>
-              <a:t>2016/8/9</a:t>
+              <a:t>2016/8/12</a:t>
             </a:fld>
             <a:endParaRPr lang="zh-CN" altLang="en-US"/>
           </a:p>
@@ -763,7 +763,7 @@
           <a:p>
             <a:fld id="{3B0594E7-D6BA-466E-A9C5-E11C6316BEFC}" type="datetimeFigureOut">
               <a:rPr lang="zh-CN" altLang="en-US" smtClean="0"/>
-              <a:t>2016/8/9</a:t>
+              <a:t>2016/8/12</a:t>
             </a:fld>
             <a:endParaRPr lang="zh-CN" altLang="en-US"/>
           </a:p>
@@ -1009,7 +1009,7 @@
           <a:p>
             <a:fld id="{3B0594E7-D6BA-466E-A9C5-E11C6316BEFC}" type="datetimeFigureOut">
               <a:rPr lang="zh-CN" altLang="en-US" smtClean="0"/>
-              <a:t>2016/8/9</a:t>
+              <a:t>2016/8/12</a:t>
             </a:fld>
             <a:endParaRPr lang="zh-CN" altLang="en-US"/>
           </a:p>
@@ -1241,7 +1241,7 @@
           <a:p>
             <a:fld id="{3B0594E7-D6BA-466E-A9C5-E11C6316BEFC}" type="datetimeFigureOut">
               <a:rPr lang="zh-CN" altLang="en-US" smtClean="0"/>
-              <a:t>2016/8/9</a:t>
+              <a:t>2016/8/12</a:t>
             </a:fld>
             <a:endParaRPr lang="zh-CN" altLang="en-US"/>
           </a:p>
@@ -1608,7 +1608,7 @@
           <a:p>
             <a:fld id="{3B0594E7-D6BA-466E-A9C5-E11C6316BEFC}" type="datetimeFigureOut">
               <a:rPr lang="zh-CN" altLang="en-US" smtClean="0"/>
-              <a:t>2016/8/9</a:t>
+              <a:t>2016/8/12</a:t>
             </a:fld>
             <a:endParaRPr lang="zh-CN" altLang="en-US"/>
           </a:p>
@@ -1726,7 +1726,7 @@
           <a:p>
             <a:fld id="{3B0594E7-D6BA-466E-A9C5-E11C6316BEFC}" type="datetimeFigureOut">
               <a:rPr lang="zh-CN" altLang="en-US" smtClean="0"/>
-              <a:t>2016/8/9</a:t>
+              <a:t>2016/8/12</a:t>
             </a:fld>
             <a:endParaRPr lang="zh-CN" altLang="en-US"/>
           </a:p>
@@ -1821,7 +1821,7 @@
           <a:p>
             <a:fld id="{3B0594E7-D6BA-466E-A9C5-E11C6316BEFC}" type="datetimeFigureOut">
               <a:rPr lang="zh-CN" altLang="en-US" smtClean="0"/>
-              <a:t>2016/8/9</a:t>
+              <a:t>2016/8/12</a:t>
             </a:fld>
             <a:endParaRPr lang="zh-CN" altLang="en-US"/>
           </a:p>
@@ -2098,7 +2098,7 @@
           <a:p>
             <a:fld id="{3B0594E7-D6BA-466E-A9C5-E11C6316BEFC}" type="datetimeFigureOut">
               <a:rPr lang="zh-CN" altLang="en-US" smtClean="0"/>
-              <a:t>2016/8/9</a:t>
+              <a:t>2016/8/12</a:t>
             </a:fld>
             <a:endParaRPr lang="zh-CN" altLang="en-US"/>
           </a:p>
@@ -2351,7 +2351,7 @@
           <a:p>
             <a:fld id="{3B0594E7-D6BA-466E-A9C5-E11C6316BEFC}" type="datetimeFigureOut">
               <a:rPr lang="zh-CN" altLang="en-US" smtClean="0"/>
-              <a:t>2016/8/9</a:t>
+              <a:t>2016/8/12</a:t>
             </a:fld>
             <a:endParaRPr lang="zh-CN" altLang="en-US"/>
           </a:p>
@@ -2564,7 +2564,7 @@
           <a:p>
             <a:fld id="{3B0594E7-D6BA-466E-A9C5-E11C6316BEFC}" type="datetimeFigureOut">
               <a:rPr lang="zh-CN" altLang="en-US" smtClean="0"/>
-              <a:t>2016/8/9</a:t>
+              <a:t>2016/8/12</a:t>
             </a:fld>
             <a:endParaRPr lang="zh-CN" altLang="en-US"/>
           </a:p>
@@ -3069,7 +3069,31 @@
               <a:pPr algn="ctr"/>
               <a:r>
                 <a:rPr lang="en-US" altLang="zh-CN" sz="2800" dirty="0" smtClean="0"/>
-                <a:t>Count-base and embedding-based Feature extraction</a:t>
+                <a:t>Count-base and </a:t>
+              </a:r>
+              <a:r>
+                <a:rPr lang="en-US" altLang="zh-CN" sz="2800" dirty="0"/>
+                <a:t>E</a:t>
+              </a:r>
+              <a:r>
+                <a:rPr lang="en-US" altLang="zh-CN" sz="2800" dirty="0" smtClean="0"/>
+                <a:t>mbedding-based </a:t>
+              </a:r>
+              <a:r>
+                <a:rPr lang="en-US" altLang="zh-CN" sz="2800" dirty="0"/>
+                <a:t>F</a:t>
+              </a:r>
+              <a:r>
+                <a:rPr lang="en-US" altLang="zh-CN" sz="2800" dirty="0" smtClean="0"/>
+                <a:t>eature </a:t>
+              </a:r>
+              <a:r>
+                <a:rPr lang="en-US" altLang="zh-CN" sz="2800" dirty="0"/>
+                <a:t>E</a:t>
+              </a:r>
+              <a:r>
+                <a:rPr lang="en-US" altLang="zh-CN" sz="2800" dirty="0" smtClean="0"/>
+                <a:t>xtraction</a:t>
               </a:r>
               <a:endParaRPr lang="zh-CN" altLang="en-US" sz="2800" dirty="0"/>
             </a:p>
@@ -3109,6 +3133,21 @@
           <p:txBody>
             <a:bodyPr rtlCol="0" anchor="ctr"/>
             <a:lstStyle/>
+            <a:p>
+              <a:pPr algn="ctr"/>
+              <a:r>
+                <a:rPr lang="en-US" altLang="zh-CN" sz="2800" dirty="0" smtClean="0"/>
+                <a:t>Word-level</a:t>
+              </a:r>
+            </a:p>
+            <a:p>
+              <a:pPr algn="ctr"/>
+              <a:r>
+                <a:rPr lang="en-US" altLang="zh-CN" sz="2800" smtClean="0"/>
+                <a:t>&amp;Character-level</a:t>
+              </a:r>
+              <a:endParaRPr lang="en-US" altLang="zh-CN" sz="2800" dirty="0" smtClean="0"/>
+            </a:p>
             <a:p>
               <a:pPr algn="ctr"/>
               <a:r>
@@ -3201,11 +3240,15 @@
               <a:pPr algn="ctr"/>
               <a:r>
                 <a:rPr lang="en-US" altLang="zh-CN" sz="2800" dirty="0" smtClean="0"/>
-                <a:t>Remove </a:t>
+                <a:t>Removing </a:t>
+              </a:r>
+              <a:r>
+                <a:rPr lang="en-US" altLang="zh-CN" sz="2800" dirty="0" err="1"/>
+                <a:t>S</a:t>
               </a:r>
               <a:r>
                 <a:rPr lang="en-US" altLang="zh-CN" sz="2800" dirty="0" err="1" smtClean="0"/>
-                <a:t>stopwords</a:t>
+                <a:t>topwords</a:t>
               </a:r>
               <a:endParaRPr lang="zh-CN" altLang="en-US" sz="2800" dirty="0"/>
             </a:p>
@@ -3249,7 +3292,19 @@
               <a:pPr algn="ctr"/>
               <a:r>
                 <a:rPr lang="en-US" altLang="zh-CN" sz="2800" dirty="0" smtClean="0"/>
-                <a:t>Name entity recognition</a:t>
+                <a:t>Name </a:t>
+              </a:r>
+              <a:r>
+                <a:rPr lang="en-US" altLang="zh-CN" sz="2800" dirty="0" smtClean="0"/>
+                <a:t>Entity </a:t>
+              </a:r>
+              <a:r>
+                <a:rPr lang="en-US" altLang="zh-CN" sz="2800" dirty="0"/>
+                <a:t>R</a:t>
+              </a:r>
+              <a:r>
+                <a:rPr lang="en-US" altLang="zh-CN" sz="2800" dirty="0" smtClean="0"/>
+                <a:t>ecognition</a:t>
               </a:r>
               <a:endParaRPr lang="zh-CN" altLang="en-US" sz="2800" dirty="0"/>
             </a:p>
